--- a/insights.pptx
+++ b/insights.pptx
@@ -208,7 +208,7 @@
           <a:p>
             <a:fld id="{CC6DBDFE-DD3D-4291-A404-1B97A83A6EA8}" type="datetimeFigureOut">
               <a:rPr lang="en-US" smtClean="0"/>
-              <a:t>3/30/2023</a:t>
+              <a:t>4/1/2023</a:t>
             </a:fld>
             <a:endParaRPr lang="en-US" dirty="0"/>
           </a:p>
@@ -1088,7 +1088,7 @@
           <a:p>
             <a:fld id="{EA0C0817-A112-4847-8014-A94B7D2A4EA3}" type="datetime1">
               <a:rPr lang="en-US" smtClean="0"/>
-              <a:t>3/30/2023</a:t>
+              <a:t>4/1/2023</a:t>
             </a:fld>
             <a:endParaRPr lang="en-US" dirty="0"/>
           </a:p>
@@ -1290,7 +1290,7 @@
           <a:p>
             <a:fld id="{7332B432-ACDA-4023-A761-2BAB76577B62}" type="datetime1">
               <a:rPr lang="en-US" smtClean="0"/>
-              <a:t>3/30/2023</a:t>
+              <a:t>4/1/2023</a:t>
             </a:fld>
             <a:endParaRPr lang="en-US" dirty="0"/>
           </a:p>
@@ -1889,7 +1889,7 @@
           <a:p>
             <a:fld id="{D9C646AA-F36E-4540-911D-FFFC0A0EF24A}" type="datetime1">
               <a:rPr lang="en-US" smtClean="0"/>
-              <a:t>3/30/2023</a:t>
+              <a:t>4/1/2023</a:t>
             </a:fld>
             <a:endParaRPr lang="en-US" dirty="0"/>
           </a:p>
@@ -2209,7 +2209,7 @@
           <a:p>
             <a:fld id="{69186D26-FA5F-4637-B602-B7C2DC34CFD4}" type="datetime1">
               <a:rPr lang="en-US" smtClean="0"/>
-              <a:t>3/30/2023</a:t>
+              <a:t>4/1/2023</a:t>
             </a:fld>
             <a:endParaRPr lang="en-US" dirty="0"/>
           </a:p>
@@ -2646,7 +2646,7 @@
           <a:p>
             <a:fld id="{8A7F15D8-96D1-4781-BC50-CA8A088B2FE4}" type="datetime1">
               <a:rPr lang="en-US" smtClean="0"/>
-              <a:t>3/30/2023</a:t>
+              <a:t>4/1/2023</a:t>
             </a:fld>
             <a:endParaRPr lang="en-US" dirty="0"/>
           </a:p>
@@ -2764,7 +2764,7 @@
           <a:p>
             <a:fld id="{F9A96C99-B8F8-4528-BD05-0E16E943DC09}" type="datetime1">
               <a:rPr lang="en-US" smtClean="0"/>
-              <a:t>3/30/2023</a:t>
+              <a:t>4/1/2023</a:t>
             </a:fld>
             <a:endParaRPr lang="en-US" dirty="0"/>
           </a:p>
@@ -2859,7 +2859,7 @@
           <a:p>
             <a:fld id="{03636942-C211-4B28-8DBD-C953E00AF71B}" type="datetime1">
               <a:rPr lang="en-US" smtClean="0"/>
-              <a:t>3/30/2023</a:t>
+              <a:t>4/1/2023</a:t>
             </a:fld>
             <a:endParaRPr lang="en-US" dirty="0"/>
           </a:p>
@@ -3276,7 +3276,7 @@
           <a:p>
             <a:fld id="{7E8D12A6-918A-48BD-8CB9-CA713993B0EA}" type="datetime1">
               <a:rPr lang="en-US" smtClean="0"/>
-              <a:t>3/30/2023</a:t>
+              <a:t>4/1/2023</a:t>
             </a:fld>
             <a:endParaRPr lang="en-US" dirty="0"/>
           </a:p>
@@ -3538,7 +3538,7 @@
             <a:fld id="{E778CE86-875F-4587-BCF6-FA054AFC0D53}" type="datetime1">
               <a:rPr lang="en-US" smtClean="0"/>
               <a:pPr/>
-              <a:t>3/30/2023</a:t>
+              <a:t>4/1/2023</a:t>
             </a:fld>
             <a:endParaRPr lang="en-US" dirty="0"/>
           </a:p>
@@ -4054,7 +4054,7 @@
           <a:p>
             <a:fld id="{F6FA2B21-3FCD-4721-B95C-427943F61125}" type="datetime1">
               <a:rPr lang="en-US" smtClean="0"/>
-              <a:t>3/30/2023</a:t>
+              <a:t>4/1/2023</a:t>
             </a:fld>
             <a:endParaRPr lang="en-US" dirty="0"/>
           </a:p>
@@ -6056,8 +6056,8 @@
         </p:blipFill>
         <p:spPr bwMode="auto">
           <a:xfrm>
-            <a:off x="5692139" y="273928"/>
-            <a:ext cx="6280785" cy="6127595"/>
+            <a:off x="5766318" y="391813"/>
+            <a:ext cx="6159953" cy="6009710"/>
           </a:xfrm>
           <a:prstGeom prst="rect">
             <a:avLst/>
@@ -6457,8 +6457,8 @@
         </p:blipFill>
         <p:spPr bwMode="auto">
           <a:xfrm>
-            <a:off x="5699760" y="368692"/>
-            <a:ext cx="6127555" cy="5956580"/>
+            <a:off x="5774826" y="429234"/>
+            <a:ext cx="5940522" cy="5774766"/>
           </a:xfrm>
           <a:prstGeom prst="rect">
             <a:avLst/>
@@ -6620,8 +6620,8 @@
         </p:blipFill>
         <p:spPr bwMode="auto">
           <a:xfrm>
-            <a:off x="5809297" y="372264"/>
-            <a:ext cx="6163627" cy="6013295"/>
+            <a:off x="5697330" y="478816"/>
+            <a:ext cx="6047876" cy="5900367"/>
           </a:xfrm>
           <a:prstGeom prst="rect">
             <a:avLst/>
@@ -6789,8 +6789,8 @@
         </p:blipFill>
         <p:spPr bwMode="auto">
           <a:xfrm>
-            <a:off x="6019035" y="372264"/>
-            <a:ext cx="6266309" cy="6113472"/>
+            <a:off x="5645812" y="440043"/>
+            <a:ext cx="6110760" cy="5961717"/>
           </a:xfrm>
           <a:prstGeom prst="rect">
             <a:avLst/>
@@ -6919,10 +6919,10 @@
       </p:sp>
       <p:pic>
         <p:nvPicPr>
-          <p:cNvPr id="6146" name="Picture 2">
+          <p:cNvPr id="1026" name="Picture 2">
             <a:extLst>
               <a:ext uri="{FF2B5EF4-FFF2-40B4-BE49-F238E27FC236}">
-                <a16:creationId xmlns:a16="http://schemas.microsoft.com/office/drawing/2014/main" id="{3E78329A-C0A9-917B-A810-562DD924671D}"/>
+                <a16:creationId xmlns:a16="http://schemas.microsoft.com/office/drawing/2014/main" id="{86B5CF2D-3B8B-61B2-39F2-DFC5065BCBD8}"/>
               </a:ext>
             </a:extLst>
           </p:cNvPr>
@@ -6946,8 +6946,8 @@
         </p:blipFill>
         <p:spPr bwMode="auto">
           <a:xfrm>
-            <a:off x="6073140" y="510540"/>
-            <a:ext cx="6124576" cy="5975196"/>
+            <a:off x="5607697" y="429455"/>
+            <a:ext cx="6149067" cy="5999090"/>
           </a:xfrm>
           <a:prstGeom prst="rect">
             <a:avLst/>
@@ -7592,21 +7592,21 @@
 </file>
 
 <file path=customXml/item1.xml><?xml version="1.0" encoding="utf-8"?>
+<p:properties xmlns:p="http://schemas.microsoft.com/office/2006/metadata/properties" xmlns:xsi="http://www.w3.org/2001/XMLSchema-instance" xmlns:pc="http://schemas.microsoft.com/office/infopath/2007/PartnerControls">
+  <documentManagement>
+    <Status xmlns="71af3243-3dd4-4a8d-8c0d-dd76da1f02a5">Not started</Status>
+    <MediaServiceKeyPoints xmlns="71af3243-3dd4-4a8d-8c0d-dd76da1f02a5" xsi:nil="true"/>
+  </documentManagement>
+</p:properties>
+</file>
+
+<file path=customXml/item2.xml><?xml version="1.0" encoding="utf-8"?>
 <?mso-contentType ?>
 <FormTemplates xmlns="http://schemas.microsoft.com/sharepoint/v3/contenttype/forms">
   <Display>DocumentLibraryForm</Display>
   <Edit>DocumentLibraryForm</Edit>
   <New>DocumentLibraryForm</New>
 </FormTemplates>
-</file>
-
-<file path=customXml/item2.xml><?xml version="1.0" encoding="utf-8"?>
-<p:properties xmlns:p="http://schemas.microsoft.com/office/2006/metadata/properties" xmlns:xsi="http://www.w3.org/2001/XMLSchema-instance" xmlns:pc="http://schemas.microsoft.com/office/infopath/2007/PartnerControls">
-  <documentManagement>
-    <Status xmlns="71af3243-3dd4-4a8d-8c0d-dd76da1f02a5">Not started</Status>
-    <MediaServiceKeyPoints xmlns="71af3243-3dd4-4a8d-8c0d-dd76da1f02a5" xsi:nil="true"/>
-  </documentManagement>
-</p:properties>
 </file>
 
 <file path=customXml/item3.xml><?xml version="1.0" encoding="utf-8"?>
@@ -7831,19 +7831,19 @@
 </file>
 
 <file path=customXml/itemProps1.xml><?xml version="1.0" encoding="utf-8"?>
-<ds:datastoreItem xmlns:ds="http://schemas.openxmlformats.org/officeDocument/2006/customXml" ds:itemID="{1259D436-C82E-43E0-8A01-53DF9CED6032}">
+<ds:datastoreItem xmlns:ds="http://schemas.openxmlformats.org/officeDocument/2006/customXml" ds:itemID="{946BCBFB-BBC7-42F1-95CD-058E172363A0}">
   <ds:schemaRefs>
-    <ds:schemaRef ds:uri="http://schemas.microsoft.com/sharepoint/v3/contenttype/forms"/>
+    <ds:schemaRef ds:uri="http://schemas.microsoft.com/office/2006/metadata/properties"/>
+    <ds:schemaRef ds:uri="http://schemas.microsoft.com/office/infopath/2007/PartnerControls"/>
+    <ds:schemaRef ds:uri="71af3243-3dd4-4a8d-8c0d-dd76da1f02a5"/>
   </ds:schemaRefs>
 </ds:datastoreItem>
 </file>
 
 <file path=customXml/itemProps2.xml><?xml version="1.0" encoding="utf-8"?>
-<ds:datastoreItem xmlns:ds="http://schemas.openxmlformats.org/officeDocument/2006/customXml" ds:itemID="{946BCBFB-BBC7-42F1-95CD-058E172363A0}">
+<ds:datastoreItem xmlns:ds="http://schemas.openxmlformats.org/officeDocument/2006/customXml" ds:itemID="{1259D436-C82E-43E0-8A01-53DF9CED6032}">
   <ds:schemaRefs>
-    <ds:schemaRef ds:uri="http://schemas.microsoft.com/office/2006/metadata/properties"/>
-    <ds:schemaRef ds:uri="http://schemas.microsoft.com/office/infopath/2007/PartnerControls"/>
-    <ds:schemaRef ds:uri="71af3243-3dd4-4a8d-8c0d-dd76da1f02a5"/>
+    <ds:schemaRef ds:uri="http://schemas.microsoft.com/sharepoint/v3/contenttype/forms"/>
   </ds:schemaRefs>
 </ds:datastoreItem>
 </file>
